--- a/figures_tables/paper/figure_assembly/Figure_3.pptx
+++ b/figures_tables/paper/figure_assembly/Figure_3.pptx
@@ -197,7 +197,7 @@
           <a:p>
             <a:fld id="{8ABF01CF-3305-A74B-8B05-C7F87612AEB0}" type="datetimeFigureOut">
               <a:rPr lang="en-US" smtClean="0"/>
-              <a:t>5/5/20</a:t>
+              <a:t>11/26/20</a:t>
             </a:fld>
             <a:endParaRPr lang="en-US"/>
           </a:p>
@@ -695,7 +695,7 @@
           <a:p>
             <a:fld id="{8F5C869D-D792-1C43-9488-465CE19598B0}" type="datetimeFigureOut">
               <a:rPr lang="en-US" smtClean="0"/>
-              <a:t>5/5/20</a:t>
+              <a:t>11/26/20</a:t>
             </a:fld>
             <a:endParaRPr lang="en-US"/>
           </a:p>
@@ -893,7 +893,7 @@
           <a:p>
             <a:fld id="{8F5C869D-D792-1C43-9488-465CE19598B0}" type="datetimeFigureOut">
               <a:rPr lang="en-US" smtClean="0"/>
-              <a:t>5/5/20</a:t>
+              <a:t>11/26/20</a:t>
             </a:fld>
             <a:endParaRPr lang="en-US"/>
           </a:p>
@@ -1101,7 +1101,7 @@
           <a:p>
             <a:fld id="{8F5C869D-D792-1C43-9488-465CE19598B0}" type="datetimeFigureOut">
               <a:rPr lang="en-US" smtClean="0"/>
-              <a:t>5/5/20</a:t>
+              <a:t>11/26/20</a:t>
             </a:fld>
             <a:endParaRPr lang="en-US"/>
           </a:p>
@@ -1299,7 +1299,7 @@
           <a:p>
             <a:fld id="{8F5C869D-D792-1C43-9488-465CE19598B0}" type="datetimeFigureOut">
               <a:rPr lang="en-US" smtClean="0"/>
-              <a:t>5/5/20</a:t>
+              <a:t>11/26/20</a:t>
             </a:fld>
             <a:endParaRPr lang="en-US"/>
           </a:p>
@@ -1574,7 +1574,7 @@
           <a:p>
             <a:fld id="{8F5C869D-D792-1C43-9488-465CE19598B0}" type="datetimeFigureOut">
               <a:rPr lang="en-US" smtClean="0"/>
-              <a:t>5/5/20</a:t>
+              <a:t>11/26/20</a:t>
             </a:fld>
             <a:endParaRPr lang="en-US"/>
           </a:p>
@@ -1839,7 +1839,7 @@
           <a:p>
             <a:fld id="{8F5C869D-D792-1C43-9488-465CE19598B0}" type="datetimeFigureOut">
               <a:rPr lang="en-US" smtClean="0"/>
-              <a:t>5/5/20</a:t>
+              <a:t>11/26/20</a:t>
             </a:fld>
             <a:endParaRPr lang="en-US"/>
           </a:p>
@@ -2251,7 +2251,7 @@
           <a:p>
             <a:fld id="{8F5C869D-D792-1C43-9488-465CE19598B0}" type="datetimeFigureOut">
               <a:rPr lang="en-US" smtClean="0"/>
-              <a:t>5/5/20</a:t>
+              <a:t>11/26/20</a:t>
             </a:fld>
             <a:endParaRPr lang="en-US"/>
           </a:p>
@@ -2392,7 +2392,7 @@
           <a:p>
             <a:fld id="{8F5C869D-D792-1C43-9488-465CE19598B0}" type="datetimeFigureOut">
               <a:rPr lang="en-US" smtClean="0"/>
-              <a:t>5/5/20</a:t>
+              <a:t>11/26/20</a:t>
             </a:fld>
             <a:endParaRPr lang="en-US"/>
           </a:p>
@@ -2505,7 +2505,7 @@
           <a:p>
             <a:fld id="{8F5C869D-D792-1C43-9488-465CE19598B0}" type="datetimeFigureOut">
               <a:rPr lang="en-US" smtClean="0"/>
-              <a:t>5/5/20</a:t>
+              <a:t>11/26/20</a:t>
             </a:fld>
             <a:endParaRPr lang="en-US"/>
           </a:p>
@@ -2816,7 +2816,7 @@
           <a:p>
             <a:fld id="{8F5C869D-D792-1C43-9488-465CE19598B0}" type="datetimeFigureOut">
               <a:rPr lang="en-US" smtClean="0"/>
-              <a:t>5/5/20</a:t>
+              <a:t>11/26/20</a:t>
             </a:fld>
             <a:endParaRPr lang="en-US"/>
           </a:p>
@@ -3104,7 +3104,7 @@
           <a:p>
             <a:fld id="{8F5C869D-D792-1C43-9488-465CE19598B0}" type="datetimeFigureOut">
               <a:rPr lang="en-US" smtClean="0"/>
-              <a:t>5/5/20</a:t>
+              <a:t>11/26/20</a:t>
             </a:fld>
             <a:endParaRPr lang="en-US"/>
           </a:p>
@@ -3345,7 +3345,7 @@
           <a:p>
             <a:fld id="{8F5C869D-D792-1C43-9488-465CE19598B0}" type="datetimeFigureOut">
               <a:rPr lang="en-US" smtClean="0"/>
-              <a:t>5/5/20</a:t>
+              <a:t>11/26/20</a:t>
             </a:fld>
             <a:endParaRPr lang="en-US"/>
           </a:p>
@@ -3764,10 +3764,10 @@
       </p:grpSpPr>
       <p:pic>
         <p:nvPicPr>
-          <p:cNvPr id="7" name="Picture 6">
-            <a:extLst>
-              <a:ext uri="{FF2B5EF4-FFF2-40B4-BE49-F238E27FC236}">
-                <a16:creationId xmlns:a16="http://schemas.microsoft.com/office/drawing/2014/main" id="{2EE22CC4-CB3F-F14C-A76D-A51982782054}"/>
+          <p:cNvPr id="4" name="Picture 3">
+            <a:extLst>
+              <a:ext uri="{FF2B5EF4-FFF2-40B4-BE49-F238E27FC236}">
+                <a16:creationId xmlns:a16="http://schemas.microsoft.com/office/drawing/2014/main" id="{C0D5FAE9-E2CC-5C4F-99C8-CF2BD3FB0D71}"/>
               </a:ext>
             </a:extLst>
           </p:cNvPr>
@@ -3784,8 +3784,8 @@
         </p:blipFill>
         <p:spPr>
           <a:xfrm>
-            <a:off x="447558" y="1145502"/>
-            <a:ext cx="5698443" cy="5698443"/>
+            <a:off x="413989" y="967671"/>
+            <a:ext cx="5782810" cy="5782810"/>
           </a:xfrm>
           <a:prstGeom prst="rect">
             <a:avLst/>
@@ -3844,7 +3844,7 @@
         </p:nvSpPr>
         <p:spPr>
           <a:xfrm>
-            <a:off x="0" y="1594338"/>
+            <a:off x="0" y="1527432"/>
             <a:ext cx="415498" cy="369332"/>
           </a:xfrm>
           <a:prstGeom prst="rect">
@@ -3870,10 +3870,10 @@
       </p:sp>
       <p:pic>
         <p:nvPicPr>
-          <p:cNvPr id="5" name="Picture 4">
-            <a:extLst>
-              <a:ext uri="{FF2B5EF4-FFF2-40B4-BE49-F238E27FC236}">
-                <a16:creationId xmlns:a16="http://schemas.microsoft.com/office/drawing/2014/main" id="{C4B7C203-2A27-2E47-87CE-10C07647FA5D}"/>
+          <p:cNvPr id="12" name="Picture 11">
+            <a:extLst>
+              <a:ext uri="{FF2B5EF4-FFF2-40B4-BE49-F238E27FC236}">
+                <a16:creationId xmlns:a16="http://schemas.microsoft.com/office/drawing/2014/main" id="{EB91F095-3E97-1747-90B0-CD0773D2B972}"/>
               </a:ext>
             </a:extLst>
           </p:cNvPr>
@@ -3890,8 +3890,8 @@
         </p:blipFill>
         <p:spPr>
           <a:xfrm>
-            <a:off x="456172" y="143008"/>
-            <a:ext cx="5698444" cy="1345823"/>
+            <a:off x="413989" y="92772"/>
+            <a:ext cx="5782810" cy="1490415"/>
           </a:xfrm>
           <a:prstGeom prst="rect">
             <a:avLst/>
